--- a/docs/nginx-serverless-examples.pptx
+++ b/docs/nginx-serverless-examples.pptx
@@ -15200,7 +15200,7 @@
         </p:nvSpPr>
         <p:spPr>
           <a:xfrm rot="16200000">
-            <a:off x="1526461" y="2192020"/>
+            <a:off x="1830916" y="1979078"/>
             <a:ext cx="3639444" cy="3999476"/>
           </a:xfrm>
           <a:prstGeom prst="rect">
@@ -15268,7 +15268,7 @@
         </p:blipFill>
         <p:spPr bwMode="auto">
           <a:xfrm>
-            <a:off x="1818476" y="2706130"/>
+            <a:off x="2122931" y="2493188"/>
             <a:ext cx="512661" cy="595968"/>
           </a:xfrm>
           <a:prstGeom prst="rect">
@@ -15300,7 +15300,7 @@
         </p:nvSpPr>
         <p:spPr>
           <a:xfrm>
-            <a:off x="1752082" y="3352787"/>
+            <a:off x="2056537" y="3139845"/>
             <a:ext cx="648959" cy="273921"/>
           </a:xfrm>
           <a:prstGeom prst="rect">
@@ -15360,7 +15360,7 @@
         </p:nvSpPr>
         <p:spPr>
           <a:xfrm rot="16200000">
-            <a:off x="1463371" y="2551061"/>
+            <a:off x="1767826" y="2338119"/>
             <a:ext cx="1161861" cy="1147940"/>
           </a:xfrm>
           <a:prstGeom prst="rect">
@@ -15414,7 +15414,7 @@
         </p:nvSpPr>
         <p:spPr>
           <a:xfrm>
-            <a:off x="5865829" y="3148637"/>
+            <a:off x="6170284" y="2935695"/>
             <a:ext cx="288541" cy="151388"/>
           </a:xfrm>
           <a:prstGeom prst="rect">
@@ -15495,7 +15495,7 @@
         </p:blipFill>
         <p:spPr bwMode="auto">
           <a:xfrm>
-            <a:off x="3210196" y="1070604"/>
+            <a:off x="3514651" y="857662"/>
             <a:ext cx="247826" cy="380425"/>
           </a:xfrm>
           <a:prstGeom prst="rect">
@@ -15540,7 +15540,7 @@
         </p:nvSpPr>
         <p:spPr>
           <a:xfrm>
-            <a:off x="1459564" y="3757366"/>
+            <a:off x="1764019" y="3544424"/>
             <a:ext cx="1147939" cy="195599"/>
           </a:xfrm>
           <a:prstGeom prst="rect">
@@ -15631,7 +15631,7 @@
         </p:nvSpPr>
         <p:spPr>
           <a:xfrm rot="16200000">
-            <a:off x="3349507" y="-645421"/>
+            <a:off x="3653962" y="-858363"/>
             <a:ext cx="4655178" cy="9014404"/>
           </a:xfrm>
           <a:prstGeom prst="rect">
@@ -15700,7 +15700,7 @@
         </p:blipFill>
         <p:spPr>
           <a:xfrm>
-            <a:off x="9780415" y="1532727"/>
+            <a:off x="10084870" y="1319785"/>
             <a:ext cx="400169" cy="282786"/>
           </a:xfrm>
           <a:prstGeom prst="rect">
@@ -15722,7 +15722,7 @@
         </p:nvSpPr>
         <p:spPr>
           <a:xfrm>
-            <a:off x="1346443" y="2130064"/>
+            <a:off x="1650898" y="1917122"/>
             <a:ext cx="4012829" cy="195599"/>
           </a:xfrm>
           <a:prstGeom prst="rect">
@@ -15801,7 +15801,7 @@
         </p:nvSpPr>
         <p:spPr>
           <a:xfrm>
-            <a:off x="5543325" y="2132920"/>
+            <a:off x="5847780" y="1919978"/>
             <a:ext cx="4441401" cy="195599"/>
           </a:xfrm>
           <a:prstGeom prst="rect">
@@ -15902,7 +15902,7 @@
         </p:blipFill>
         <p:spPr bwMode="auto">
           <a:xfrm>
-            <a:off x="5858568" y="2877651"/>
+            <a:off x="6163023" y="2664709"/>
             <a:ext cx="257648" cy="257648"/>
           </a:xfrm>
           <a:prstGeom prst="roundRect">
@@ -15961,7 +15961,7 @@
         </p:blipFill>
         <p:spPr bwMode="auto">
           <a:xfrm>
-            <a:off x="3072390" y="4606816"/>
+            <a:off x="3376845" y="4393874"/>
             <a:ext cx="512661" cy="595968"/>
           </a:xfrm>
           <a:prstGeom prst="rect">
@@ -15993,7 +15993,7 @@
         </p:nvSpPr>
         <p:spPr>
           <a:xfrm>
-            <a:off x="3278309" y="5276748"/>
+            <a:off x="3582764" y="5063806"/>
             <a:ext cx="544573" cy="299121"/>
           </a:xfrm>
           <a:prstGeom prst="rect">
@@ -16053,7 +16053,7 @@
         </p:nvSpPr>
         <p:spPr>
           <a:xfrm rot="16200000">
-            <a:off x="2737463" y="4487048"/>
+            <a:off x="3041918" y="4274106"/>
             <a:ext cx="1161861" cy="1147939"/>
           </a:xfrm>
           <a:prstGeom prst="rect">
@@ -16106,7 +16106,7 @@
         </p:nvSpPr>
         <p:spPr>
           <a:xfrm rot="16200000">
-            <a:off x="1463372" y="4487050"/>
+            <a:off x="1767827" y="4274108"/>
             <a:ext cx="1161861" cy="1147939"/>
           </a:xfrm>
           <a:prstGeom prst="rect">
@@ -16160,7 +16160,7 @@
         </p:nvSpPr>
         <p:spPr>
           <a:xfrm>
-            <a:off x="1675119" y="5259839"/>
+            <a:off x="1979574" y="5046897"/>
             <a:ext cx="779893" cy="273921"/>
           </a:xfrm>
           <a:prstGeom prst="rect">
@@ -16227,7 +16227,7 @@
         </p:blipFill>
         <p:spPr>
           <a:xfrm>
-            <a:off x="1732453" y="4592925"/>
+            <a:off x="2036908" y="4379983"/>
             <a:ext cx="635000" cy="622300"/>
           </a:xfrm>
           <a:prstGeom prst="rect">
@@ -16249,7 +16249,7 @@
         </p:nvSpPr>
         <p:spPr>
           <a:xfrm>
-            <a:off x="1459564" y="5686565"/>
+            <a:off x="1764019" y="5473623"/>
             <a:ext cx="3724849" cy="195599"/>
           </a:xfrm>
           <a:prstGeom prst="rect">
@@ -16344,7 +16344,7 @@
         </p:nvCxnSpPr>
         <p:spPr>
           <a:xfrm>
-            <a:off x="2367453" y="4904075"/>
+            <a:off x="2671908" y="4691133"/>
             <a:ext cx="704937" cy="725"/>
           </a:xfrm>
           <a:prstGeom prst="straightConnector1">
@@ -16395,7 +16395,7 @@
         </p:nvCxnSpPr>
         <p:spPr>
           <a:xfrm rot="5400000">
-            <a:off x="2076908" y="1448928"/>
+            <a:off x="2381363" y="1235986"/>
             <a:ext cx="1255101" cy="1259302"/>
           </a:xfrm>
           <a:prstGeom prst="bentConnector3">
@@ -16447,7 +16447,7 @@
         </p:nvCxnSpPr>
         <p:spPr>
           <a:xfrm rot="5400000">
-            <a:off x="2948703" y="576856"/>
+            <a:off x="3253158" y="363914"/>
             <a:ext cx="1255378" cy="3003170"/>
           </a:xfrm>
           <a:prstGeom prst="bentConnector3">
@@ -16495,7 +16495,7 @@
         </p:nvSpPr>
         <p:spPr>
           <a:xfrm>
-            <a:off x="3487000" y="1140105"/>
+            <a:off x="3791455" y="927163"/>
             <a:ext cx="521491" cy="299121"/>
           </a:xfrm>
           <a:prstGeom prst="rect">
@@ -16561,7 +16561,7 @@
         </p:nvSpPr>
         <p:spPr>
           <a:xfrm>
-            <a:off x="5240318" y="1144805"/>
+            <a:off x="5544773" y="931863"/>
             <a:ext cx="692113" cy="299121"/>
           </a:xfrm>
           <a:prstGeom prst="rect">
@@ -16631,7 +16631,7 @@
         </p:nvCxnSpPr>
         <p:spPr>
           <a:xfrm rot="10800000" flipH="1" flipV="1">
-            <a:off x="1311845" y="1246731"/>
+            <a:off x="1616300" y="1033789"/>
             <a:ext cx="158487" cy="3814288"/>
           </a:xfrm>
           <a:prstGeom prst="bentConnector3">
@@ -16679,7 +16679,7 @@
         </p:nvSpPr>
         <p:spPr>
           <a:xfrm rot="16200000">
-            <a:off x="2737463" y="2556155"/>
+            <a:off x="3041918" y="2343213"/>
             <a:ext cx="1161861" cy="1147938"/>
           </a:xfrm>
           <a:prstGeom prst="rect">
@@ -16748,7 +16748,7 @@
         </p:blipFill>
         <p:spPr bwMode="auto">
           <a:xfrm>
-            <a:off x="3062062" y="2706130"/>
+            <a:off x="3366517" y="2493188"/>
             <a:ext cx="512661" cy="595968"/>
           </a:xfrm>
           <a:prstGeom prst="rect">
@@ -16784,7 +16784,7 @@
         </p:nvCxnSpPr>
         <p:spPr>
           <a:xfrm>
-            <a:off x="2331137" y="3004114"/>
+            <a:off x="2635592" y="2791172"/>
             <a:ext cx="386771" cy="1403930"/>
           </a:xfrm>
           <a:prstGeom prst="bentConnector3">
@@ -16836,7 +16836,7 @@
         </p:nvCxnSpPr>
         <p:spPr>
           <a:xfrm>
-            <a:off x="2331137" y="3004114"/>
+            <a:off x="2635592" y="2791172"/>
             <a:ext cx="413288" cy="126010"/>
           </a:xfrm>
           <a:prstGeom prst="bentConnector3">
@@ -16888,7 +16888,7 @@
         </p:nvCxnSpPr>
         <p:spPr>
           <a:xfrm>
-            <a:off x="3318393" y="3302098"/>
+            <a:off x="3622848" y="3089156"/>
             <a:ext cx="10328" cy="1304718"/>
           </a:xfrm>
           <a:prstGeom prst="straightConnector1">
@@ -16935,7 +16935,7 @@
         </p:nvSpPr>
         <p:spPr>
           <a:xfrm rot="16200000">
-            <a:off x="5937626" y="1977735"/>
+            <a:off x="6242081" y="1764793"/>
             <a:ext cx="3639444" cy="4428045"/>
           </a:xfrm>
           <a:prstGeom prst="rect">
@@ -16988,7 +16988,7 @@
         </p:nvSpPr>
         <p:spPr>
           <a:xfrm>
-            <a:off x="2745720" y="3752852"/>
+            <a:off x="3050175" y="3539910"/>
             <a:ext cx="1147939" cy="195599"/>
           </a:xfrm>
           <a:prstGeom prst="rect">
@@ -17079,7 +17079,7 @@
         </p:nvSpPr>
         <p:spPr>
           <a:xfrm>
-            <a:off x="3001701" y="3360589"/>
+            <a:off x="3306156" y="3147647"/>
             <a:ext cx="645113" cy="273921"/>
           </a:xfrm>
           <a:prstGeom prst="rect">
@@ -17142,8 +17142,8 @@
         </p:nvSpPr>
         <p:spPr>
           <a:xfrm rot="16200000">
-            <a:off x="10462640" y="4948451"/>
-            <a:ext cx="973082" cy="765062"/>
+            <a:off x="5820413" y="2179469"/>
+            <a:ext cx="254490" cy="9032184"/>
           </a:xfrm>
           <a:prstGeom prst="rect">
             <a:avLst/>
@@ -17179,9 +17179,55 @@
                 <a:latin typeface="Calibri" panose="020F0502020204030204" pitchFamily="34" charset="0"/>
                 <a:ea typeface="맑은 고딕"/>
               </a:rPr>
-              <a:t>External</a:t>
-            </a:r>
-          </a:p>
+              <a:t>External Web Sites</a:t>
+            </a:r>
+            <a:endParaRPr lang="ko-KR" altLang="en-US" sz="900" kern="0" dirty="0">
+              <a:solidFill>
+                <a:schemeClr val="bg1">
+                  <a:lumMod val="65000"/>
+                </a:schemeClr>
+              </a:solidFill>
+              <a:latin typeface="Calibri" panose="020F0502020204030204" pitchFamily="34" charset="0"/>
+              <a:ea typeface="맑은 고딕"/>
+            </a:endParaRPr>
+          </a:p>
+        </p:txBody>
+      </p:sp>
+      <p:sp>
+        <p:nvSpPr>
+          <p:cNvPr id="183" name="직사각형 363">
+            <a:extLst>
+              <a:ext uri="{FF2B5EF4-FFF2-40B4-BE49-F238E27FC236}">
+                <a16:creationId xmlns:a16="http://schemas.microsoft.com/office/drawing/2014/main" id="{6039528E-713F-6DA5-A845-7D978983C62F}"/>
+              </a:ext>
+            </a:extLst>
+          </p:cNvPr>
+          <p:cNvSpPr/>
+          <p:nvPr/>
+        </p:nvSpPr>
+        <p:spPr>
+          <a:xfrm rot="16200000">
+            <a:off x="5796633" y="2598468"/>
+            <a:ext cx="1830851" cy="1344094"/>
+          </a:xfrm>
+          <a:prstGeom prst="rect">
+            <a:avLst/>
+          </a:prstGeom>
+          <a:noFill/>
+          <a:ln w="3175" cap="flat" cmpd="sng" algn="ctr">
+            <a:solidFill>
+              <a:schemeClr val="bg1">
+                <a:lumMod val="85000"/>
+              </a:schemeClr>
+            </a:solidFill>
+            <a:prstDash val="dash"/>
+            <a:miter lim="800000"/>
+          </a:ln>
+          <a:effectLst/>
+        </p:spPr>
+        <p:txBody>
+          <a:bodyPr vert="vert" lIns="0" tIns="0" rIns="0" bIns="0" rtlCol="0" anchor="t" anchorCtr="0"/>
+          <a:lstStyle/>
           <a:p>
             <a:pPr algn="ctr">
               <a:lnSpc>
@@ -17214,7 +17260,7 @@
                 <a:latin typeface="Calibri" panose="020F0502020204030204" pitchFamily="34" charset="0"/>
                 <a:ea typeface="맑은 고딕"/>
               </a:rPr>
-              <a:t>Web Sites</a:t>
+              <a:t>Sync Service</a:t>
             </a:r>
             <a:endParaRPr lang="ko-KR" altLang="en-US" sz="900" kern="0" dirty="0">
               <a:solidFill>
@@ -17230,10 +17276,10 @@
       </p:sp>
       <p:sp>
         <p:nvSpPr>
-          <p:cNvPr id="183" name="직사각형 363">
-            <a:extLst>
-              <a:ext uri="{FF2B5EF4-FFF2-40B4-BE49-F238E27FC236}">
-                <a16:creationId xmlns:a16="http://schemas.microsoft.com/office/drawing/2014/main" id="{6039528E-713F-6DA5-A845-7D978983C62F}"/>
+          <p:cNvPr id="184" name="직사각형 363">
+            <a:extLst>
+              <a:ext uri="{FF2B5EF4-FFF2-40B4-BE49-F238E27FC236}">
+                <a16:creationId xmlns:a16="http://schemas.microsoft.com/office/drawing/2014/main" id="{ECE3889C-E97D-C65E-F790-310C36AD54D5}"/>
               </a:ext>
             </a:extLst>
           </p:cNvPr>
@@ -17242,8 +17288,8 @@
         </p:nvSpPr>
         <p:spPr>
           <a:xfrm rot="16200000">
-            <a:off x="5492178" y="2811410"/>
-            <a:ext cx="1830851" cy="1344094"/>
+            <a:off x="6050521" y="4352556"/>
+            <a:ext cx="1289239" cy="1344094"/>
           </a:xfrm>
           <a:prstGeom prst="rect">
             <a:avLst/>
@@ -17295,7 +17341,7 @@
                 <a:latin typeface="Calibri" panose="020F0502020204030204" pitchFamily="34" charset="0"/>
                 <a:ea typeface="맑은 고딕"/>
               </a:rPr>
-              <a:t>Sync Service</a:t>
+              <a:t>Async Service</a:t>
             </a:r>
             <a:endParaRPr lang="ko-KR" altLang="en-US" sz="900" kern="0" dirty="0">
               <a:solidFill>
@@ -17311,10 +17357,10 @@
       </p:sp>
       <p:sp>
         <p:nvSpPr>
-          <p:cNvPr id="184" name="직사각형 363">
-            <a:extLst>
-              <a:ext uri="{FF2B5EF4-FFF2-40B4-BE49-F238E27FC236}">
-                <a16:creationId xmlns:a16="http://schemas.microsoft.com/office/drawing/2014/main" id="{ECE3889C-E97D-C65E-F790-310C36AD54D5}"/>
+          <p:cNvPr id="185" name="직사각형 363">
+            <a:extLst>
+              <a:ext uri="{FF2B5EF4-FFF2-40B4-BE49-F238E27FC236}">
+                <a16:creationId xmlns:a16="http://schemas.microsoft.com/office/drawing/2014/main" id="{F4E7750E-FD11-5E64-9CFA-FC6CED0B47B9}"/>
               </a:ext>
             </a:extLst>
           </p:cNvPr>
@@ -17323,8 +17369,8 @@
         </p:nvSpPr>
         <p:spPr>
           <a:xfrm rot="16200000">
-            <a:off x="5746066" y="4565498"/>
-            <a:ext cx="1289239" cy="1344094"/>
+            <a:off x="7157258" y="2909078"/>
+            <a:ext cx="2267990" cy="1154907"/>
           </a:xfrm>
           <a:prstGeom prst="rect">
             <a:avLst/>
@@ -17376,87 +17422,6 @@
                 <a:latin typeface="Calibri" panose="020F0502020204030204" pitchFamily="34" charset="0"/>
                 <a:ea typeface="맑은 고딕"/>
               </a:rPr>
-              <a:t>Async Service</a:t>
-            </a:r>
-            <a:endParaRPr lang="ko-KR" altLang="en-US" sz="900" kern="0" dirty="0">
-              <a:solidFill>
-                <a:schemeClr val="bg1">
-                  <a:lumMod val="65000"/>
-                </a:schemeClr>
-              </a:solidFill>
-              <a:latin typeface="Calibri" panose="020F0502020204030204" pitchFamily="34" charset="0"/>
-              <a:ea typeface="맑은 고딕"/>
-            </a:endParaRPr>
-          </a:p>
-        </p:txBody>
-      </p:sp>
-      <p:sp>
-        <p:nvSpPr>
-          <p:cNvPr id="185" name="직사각형 363">
-            <a:extLst>
-              <a:ext uri="{FF2B5EF4-FFF2-40B4-BE49-F238E27FC236}">
-                <a16:creationId xmlns:a16="http://schemas.microsoft.com/office/drawing/2014/main" id="{F4E7750E-FD11-5E64-9CFA-FC6CED0B47B9}"/>
-              </a:ext>
-            </a:extLst>
-          </p:cNvPr>
-          <p:cNvSpPr/>
-          <p:nvPr/>
-        </p:nvSpPr>
-        <p:spPr>
-          <a:xfrm rot="16200000">
-            <a:off x="6852803" y="3122020"/>
-            <a:ext cx="2267990" cy="1154907"/>
-          </a:xfrm>
-          <a:prstGeom prst="rect">
-            <a:avLst/>
-          </a:prstGeom>
-          <a:noFill/>
-          <a:ln w="3175" cap="flat" cmpd="sng" algn="ctr">
-            <a:solidFill>
-              <a:schemeClr val="bg1">
-                <a:lumMod val="85000"/>
-              </a:schemeClr>
-            </a:solidFill>
-            <a:prstDash val="dash"/>
-            <a:miter lim="800000"/>
-          </a:ln>
-          <a:effectLst/>
-        </p:spPr>
-        <p:txBody>
-          <a:bodyPr vert="vert" lIns="0" tIns="0" rIns="0" bIns="0" rtlCol="0" anchor="t" anchorCtr="0"/>
-          <a:lstStyle/>
-          <a:p>
-            <a:pPr algn="ctr">
-              <a:lnSpc>
-                <a:spcPct val="80000"/>
-              </a:lnSpc>
-            </a:pPr>
-            <a:endParaRPr lang="en-US" altLang="ko-KR" sz="900" kern="0" dirty="0">
-              <a:solidFill>
-                <a:schemeClr val="bg1">
-                  <a:lumMod val="65000"/>
-                </a:schemeClr>
-              </a:solidFill>
-              <a:latin typeface="Calibri" panose="020F0502020204030204" pitchFamily="34" charset="0"/>
-              <a:ea typeface="맑은 고딕"/>
-            </a:endParaRPr>
-          </a:p>
-          <a:p>
-            <a:pPr algn="ctr">
-              <a:lnSpc>
-                <a:spcPct val="80000"/>
-              </a:lnSpc>
-            </a:pPr>
-            <a:r>
-              <a:rPr lang="en-US" altLang="ko-KR" sz="900" kern="0" dirty="0">
-                <a:solidFill>
-                  <a:schemeClr val="bg1">
-                    <a:lumMod val="65000"/>
-                  </a:schemeClr>
-                </a:solidFill>
-                <a:latin typeface="Calibri" panose="020F0502020204030204" pitchFamily="34" charset="0"/>
-                <a:ea typeface="맑은 고딕"/>
-              </a:rPr>
               <a:t>Communication </a:t>
             </a:r>
           </a:p>
@@ -17526,7 +17491,7 @@
         </p:blipFill>
         <p:spPr bwMode="auto">
           <a:xfrm>
-            <a:off x="5858568" y="3385596"/>
+            <a:off x="6163023" y="3172654"/>
             <a:ext cx="257648" cy="257648"/>
           </a:xfrm>
           <a:prstGeom prst="roundRect">
@@ -17592,7 +17557,7 @@
         </p:blipFill>
         <p:spPr bwMode="auto">
           <a:xfrm>
-            <a:off x="5859150" y="3880203"/>
+            <a:off x="6163605" y="3667261"/>
             <a:ext cx="257648" cy="257648"/>
           </a:xfrm>
           <a:prstGeom prst="roundRect">
@@ -17658,7 +17623,7 @@
         </p:blipFill>
         <p:spPr bwMode="auto">
           <a:xfrm>
-            <a:off x="5867033" y="4881830"/>
+            <a:off x="6171488" y="4668888"/>
             <a:ext cx="257648" cy="257648"/>
           </a:xfrm>
           <a:prstGeom prst="roundRect">
@@ -17724,7 +17689,7 @@
         </p:blipFill>
         <p:spPr bwMode="auto">
           <a:xfrm>
-            <a:off x="5867615" y="5352788"/>
+            <a:off x="6172070" y="5139846"/>
             <a:ext cx="257648" cy="257648"/>
           </a:xfrm>
           <a:prstGeom prst="roundRect">
@@ -17768,7 +17733,7 @@
         </p:nvSpPr>
         <p:spPr>
           <a:xfrm>
-            <a:off x="5865829" y="3658080"/>
+            <a:off x="6170284" y="3445138"/>
             <a:ext cx="500458" cy="151388"/>
           </a:xfrm>
           <a:prstGeom prst="rect">
@@ -17818,7 +17783,7 @@
         </p:nvSpPr>
         <p:spPr>
           <a:xfrm>
-            <a:off x="5871026" y="4160056"/>
+            <a:off x="6175481" y="3947114"/>
             <a:ext cx="832600" cy="151388"/>
           </a:xfrm>
           <a:prstGeom prst="rect">
@@ -17886,7 +17851,7 @@
         </p:nvSpPr>
         <p:spPr>
           <a:xfrm>
-            <a:off x="5867033" y="5163168"/>
+            <a:off x="6171488" y="4950226"/>
             <a:ext cx="1054915" cy="151388"/>
           </a:xfrm>
           <a:prstGeom prst="rect">
@@ -17936,7 +17901,7 @@
         </p:nvSpPr>
         <p:spPr>
           <a:xfrm>
-            <a:off x="5904975" y="5654863"/>
+            <a:off x="6209430" y="5441921"/>
             <a:ext cx="1008994" cy="151388"/>
           </a:xfrm>
           <a:prstGeom prst="rect">
@@ -17990,7 +17955,7 @@
         </p:nvCxnSpPr>
         <p:spPr>
           <a:xfrm flipV="1">
-            <a:off x="6116798" y="3699474"/>
+            <a:off x="6421253" y="3486532"/>
             <a:ext cx="1292547" cy="309553"/>
           </a:xfrm>
           <a:prstGeom prst="bentConnector3">
@@ -18051,7 +18016,7 @@
         </p:blipFill>
         <p:spPr>
           <a:xfrm>
-            <a:off x="7938436" y="3971382"/>
+            <a:off x="8242891" y="3758440"/>
             <a:ext cx="502860" cy="210464"/>
           </a:xfrm>
           <a:prstGeom prst="rect">
@@ -18095,7 +18060,7 @@
         </p:blipFill>
         <p:spPr bwMode="auto">
           <a:xfrm>
-            <a:off x="7634707" y="3027374"/>
+            <a:off x="7939162" y="2814432"/>
             <a:ext cx="594334" cy="594334"/>
           </a:xfrm>
           <a:prstGeom prst="rect">
@@ -18143,7 +18108,7 @@
         </p:blipFill>
         <p:spPr>
           <a:xfrm>
-            <a:off x="7938436" y="4250997"/>
+            <a:off x="8242891" y="4038055"/>
             <a:ext cx="502860" cy="210464"/>
           </a:xfrm>
           <a:prstGeom prst="rect">
@@ -18181,7 +18146,7 @@
         </p:blipFill>
         <p:spPr>
           <a:xfrm>
-            <a:off x="7938436" y="4533101"/>
+            <a:off x="8242891" y="4320159"/>
             <a:ext cx="502860" cy="210464"/>
           </a:xfrm>
           <a:prstGeom prst="rect">
@@ -18203,7 +18168,7 @@
         </p:nvSpPr>
         <p:spPr>
           <a:xfrm rot="16200000">
-            <a:off x="8109984" y="3122020"/>
+            <a:off x="8414439" y="2909078"/>
             <a:ext cx="2267990" cy="1154907"/>
           </a:xfrm>
           <a:prstGeom prst="rect">
@@ -18306,7 +18271,7 @@
         </p:blipFill>
         <p:spPr bwMode="auto">
           <a:xfrm>
-            <a:off x="9003414" y="3070919"/>
+            <a:off x="9307869" y="2857977"/>
             <a:ext cx="420641" cy="507244"/>
           </a:xfrm>
           <a:prstGeom prst="rect">
@@ -18338,7 +18303,7 @@
         </p:nvSpPr>
         <p:spPr>
           <a:xfrm>
-            <a:off x="7473271" y="3611314"/>
+            <a:off x="7777726" y="3398372"/>
             <a:ext cx="1006494" cy="299121"/>
           </a:xfrm>
           <a:prstGeom prst="rect">
@@ -18404,7 +18369,7 @@
         </p:nvSpPr>
         <p:spPr>
           <a:xfrm>
-            <a:off x="8736371" y="3630271"/>
+            <a:off x="9040826" y="3417329"/>
             <a:ext cx="1015214" cy="299121"/>
           </a:xfrm>
           <a:prstGeom prst="rect">
@@ -18492,7 +18457,7 @@
         </p:blipFill>
         <p:spPr bwMode="auto">
           <a:xfrm>
-            <a:off x="8989025" y="5173844"/>
+            <a:off x="9293480" y="4960902"/>
             <a:ext cx="377604" cy="377604"/>
           </a:xfrm>
           <a:prstGeom prst="rect">
@@ -18524,7 +18489,7 @@
         </p:nvSpPr>
         <p:spPr>
           <a:xfrm>
-            <a:off x="2751050" y="3486940"/>
+            <a:off x="3055505" y="3273998"/>
             <a:ext cx="276367" cy="225181"/>
           </a:xfrm>
           <a:prstGeom prst="rect">
@@ -18648,7 +18613,7 @@
         </p:nvSpPr>
         <p:spPr>
           <a:xfrm>
-            <a:off x="1465586" y="3480315"/>
+            <a:off x="1770041" y="3267373"/>
             <a:ext cx="276367" cy="225181"/>
           </a:xfrm>
           <a:prstGeom prst="rect">
@@ -18772,7 +18737,7 @@
         </p:nvSpPr>
         <p:spPr>
           <a:xfrm>
-            <a:off x="1485466" y="5408508"/>
+            <a:off x="1789921" y="5195566"/>
             <a:ext cx="276367" cy="225181"/>
           </a:xfrm>
           <a:prstGeom prst="rect">
@@ -18896,7 +18861,7 @@
         </p:nvSpPr>
         <p:spPr>
           <a:xfrm rot="16200000">
-            <a:off x="8173657" y="4229378"/>
+            <a:off x="8478112" y="4016436"/>
             <a:ext cx="882969" cy="2412586"/>
           </a:xfrm>
           <a:prstGeom prst="rect">
@@ -18999,7 +18964,7 @@
         </p:blipFill>
         <p:spPr bwMode="auto">
           <a:xfrm>
-            <a:off x="7846538" y="5176963"/>
+            <a:off x="8150993" y="4964021"/>
             <a:ext cx="377604" cy="377604"/>
           </a:xfrm>
           <a:prstGeom prst="rect">
@@ -19031,7 +18996,7 @@
         </p:nvSpPr>
         <p:spPr>
           <a:xfrm>
-            <a:off x="8783088" y="5561683"/>
+            <a:off x="9087543" y="5348741"/>
             <a:ext cx="845617" cy="151388"/>
           </a:xfrm>
           <a:prstGeom prst="rect">
@@ -19085,7 +19050,7 @@
         </p:nvCxnSpPr>
         <p:spPr>
           <a:xfrm rot="10800000" flipV="1">
-            <a:off x="6124682" y="4076614"/>
+            <a:off x="6429137" y="3863672"/>
             <a:ext cx="1813755" cy="934040"/>
           </a:xfrm>
           <a:prstGeom prst="bentConnector3">
@@ -19134,7 +19099,7 @@
         </p:nvCxnSpPr>
         <p:spPr>
           <a:xfrm rot="10800000" flipV="1">
-            <a:off x="6125264" y="4356228"/>
+            <a:off x="6429719" y="4143286"/>
             <a:ext cx="1813173" cy="1125383"/>
           </a:xfrm>
           <a:prstGeom prst="bentConnector3">
@@ -19183,7 +19148,7 @@
         </p:nvCxnSpPr>
         <p:spPr>
           <a:xfrm rot="5400000" flipH="1" flipV="1">
-            <a:off x="6953455" y="2742458"/>
+            <a:off x="7257910" y="2529516"/>
             <a:ext cx="1910962" cy="3824994"/>
           </a:xfrm>
           <a:prstGeom prst="bentConnector4">
@@ -19233,7 +19198,7 @@
         </p:nvCxnSpPr>
         <p:spPr>
           <a:xfrm flipV="1">
-            <a:off x="3926367" y="4009027"/>
+            <a:off x="4230822" y="3796085"/>
             <a:ext cx="1932783" cy="399408"/>
           </a:xfrm>
           <a:prstGeom prst="bentConnector3">
@@ -19282,7 +19247,7 @@
         </p:nvCxnSpPr>
         <p:spPr>
           <a:xfrm flipV="1">
-            <a:off x="3926367" y="3514420"/>
+            <a:off x="4230822" y="3301478"/>
             <a:ext cx="1932201" cy="894015"/>
           </a:xfrm>
           <a:prstGeom prst="bentConnector3">
@@ -19331,7 +19296,7 @@
         </p:nvCxnSpPr>
         <p:spPr>
           <a:xfrm flipV="1">
-            <a:off x="3926367" y="3006475"/>
+            <a:off x="4230822" y="2793533"/>
             <a:ext cx="1932201" cy="1401960"/>
           </a:xfrm>
           <a:prstGeom prst="bentConnector3">
@@ -19376,7 +19341,7 @@
         </p:nvSpPr>
         <p:spPr>
           <a:xfrm rot="16200000">
-            <a:off x="4029513" y="4472850"/>
+            <a:off x="4333968" y="4259908"/>
             <a:ext cx="1161861" cy="1147938"/>
           </a:xfrm>
           <a:prstGeom prst="rect">
@@ -19430,7 +19395,7 @@
         </p:nvSpPr>
         <p:spPr>
           <a:xfrm>
-            <a:off x="4547190" y="5268014"/>
+            <a:off x="4851645" y="5055072"/>
             <a:ext cx="544572" cy="299121"/>
           </a:xfrm>
           <a:prstGeom prst="rect">
@@ -19493,7 +19458,7 @@
         </p:nvSpPr>
         <p:spPr>
           <a:xfrm>
-            <a:off x="3850871" y="4350981"/>
+            <a:off x="4155326" y="4138039"/>
             <a:ext cx="75496" cy="114907"/>
           </a:xfrm>
           <a:prstGeom prst="rect">
@@ -19580,7 +19545,7 @@
         </p:blipFill>
         <p:spPr bwMode="auto">
           <a:xfrm>
-            <a:off x="4367227" y="4601026"/>
+            <a:off x="4671682" y="4388084"/>
             <a:ext cx="512661" cy="595968"/>
           </a:xfrm>
           <a:prstGeom prst="rect">
@@ -19616,7 +19581,7 @@
         </p:nvCxnSpPr>
         <p:spPr>
           <a:xfrm rot="10800000" flipV="1">
-            <a:off x="5218359" y="5010654"/>
+            <a:off x="5522814" y="4797712"/>
             <a:ext cx="648674" cy="854"/>
           </a:xfrm>
           <a:prstGeom prst="bentConnector3">
@@ -19665,7 +19630,7 @@
         </p:nvCxnSpPr>
         <p:spPr>
           <a:xfrm rot="16200000" flipH="1">
-            <a:off x="6498678" y="4261308"/>
+            <a:off x="6803133" y="4048366"/>
             <a:ext cx="59636" cy="2841326"/>
           </a:xfrm>
           <a:prstGeom prst="bentConnector3">
@@ -19710,7 +19675,7 @@
         </p:nvSpPr>
         <p:spPr>
           <a:xfrm>
-            <a:off x="5163397" y="4953952"/>
+            <a:off x="5467852" y="4741010"/>
             <a:ext cx="54962" cy="115112"/>
           </a:xfrm>
           <a:prstGeom prst="rect">
@@ -19782,7 +19747,7 @@
         </p:nvSpPr>
         <p:spPr>
           <a:xfrm>
-            <a:off x="5078532" y="5600264"/>
+            <a:off x="5382987" y="5387322"/>
             <a:ext cx="58601" cy="51889"/>
           </a:xfrm>
           <a:prstGeom prst="rect">
@@ -19854,7 +19819,7 @@
         </p:nvSpPr>
         <p:spPr>
           <a:xfrm>
-            <a:off x="4537239" y="5600265"/>
+            <a:off x="4841694" y="5387323"/>
             <a:ext cx="58601" cy="51889"/>
           </a:xfrm>
           <a:prstGeom prst="rect">
@@ -19930,7 +19895,7 @@
         </p:nvCxnSpPr>
         <p:spPr>
           <a:xfrm rot="16200000" flipH="1">
-            <a:off x="3300319" y="4385933"/>
+            <a:off x="3604774" y="4172991"/>
             <a:ext cx="10204" cy="2522237"/>
           </a:xfrm>
           <a:prstGeom prst="bentConnector3">
@@ -19976,7 +19941,7 @@
         </p:nvSpPr>
         <p:spPr>
           <a:xfrm>
-            <a:off x="4616753" y="5600267"/>
+            <a:off x="4921208" y="5387325"/>
             <a:ext cx="58601" cy="51889"/>
           </a:xfrm>
           <a:prstGeom prst="rect">
@@ -20052,7 +20017,7 @@
         </p:nvCxnSpPr>
         <p:spPr>
           <a:xfrm rot="16200000" flipH="1">
-            <a:off x="6895518" y="3402691"/>
+            <a:off x="7199973" y="3189749"/>
             <a:ext cx="60915" cy="4559843"/>
           </a:xfrm>
           <a:prstGeom prst="bentConnector3">
@@ -20113,7 +20078,7 @@
         </p:blipFill>
         <p:spPr bwMode="auto">
           <a:xfrm>
-            <a:off x="1487948" y="4501176"/>
+            <a:off x="1792403" y="4288234"/>
             <a:ext cx="187171" cy="217586"/>
           </a:xfrm>
           <a:prstGeom prst="rect">
@@ -20142,19 +20107,21 @@
           </p:cNvPr>
           <p:cNvCxnSpPr>
             <a:cxnSpLocks/>
-            <a:stCxn id="182" idx="1"/>
+            <a:stCxn id="182" idx="3"/>
             <a:endCxn id="231" idx="2"/>
           </p:cNvCxnSpPr>
           <p:nvPr/>
         </p:nvCxnSpPr>
         <p:spPr>
-          <a:xfrm rot="5400000" flipH="1">
-            <a:off x="9485756" y="4354098"/>
-            <a:ext cx="112358" cy="2814492"/>
-          </a:xfrm>
-          <a:prstGeom prst="bentConnector3">
+          <a:xfrm rot="5400000" flipH="1" flipV="1">
+            <a:off x="6655355" y="4784527"/>
+            <a:ext cx="1076093" cy="2491486"/>
+          </a:xfrm>
+          <a:prstGeom prst="bentConnector5">
             <a:avLst>
-              <a:gd name="adj1" fmla="val -110887"/>
+              <a:gd name="adj1" fmla="val 21244"/>
+              <a:gd name="adj2" fmla="val 100230"/>
+              <a:gd name="adj3" fmla="val 78756"/>
             </a:avLst>
           </a:prstGeom>
           <a:ln w="3175">
@@ -20197,7 +20164,7 @@
         </p:nvSpPr>
         <p:spPr>
           <a:xfrm>
-            <a:off x="7919858" y="5659900"/>
+            <a:off x="8224313" y="5446958"/>
             <a:ext cx="58601" cy="51889"/>
           </a:xfrm>
           <a:prstGeom prst="rect">
@@ -20270,7 +20237,7 @@
         </p:nvSpPr>
         <p:spPr>
           <a:xfrm>
-            <a:off x="8105388" y="5653276"/>
+            <a:off x="8409843" y="5440334"/>
             <a:ext cx="58601" cy="51889"/>
           </a:xfrm>
           <a:prstGeom prst="rect">
@@ -20343,7 +20310,7 @@
         </p:nvSpPr>
         <p:spPr>
           <a:xfrm>
-            <a:off x="7733047" y="5561683"/>
+            <a:off x="8037502" y="5348741"/>
             <a:ext cx="660758" cy="151388"/>
           </a:xfrm>
           <a:prstGeom prst="rect">
@@ -20412,7 +20379,7 @@
         </p:blipFill>
         <p:spPr>
           <a:xfrm>
-            <a:off x="4008636" y="2149501"/>
+            <a:off x="4313091" y="1936559"/>
             <a:ext cx="133871" cy="153758"/>
           </a:xfrm>
           <a:prstGeom prst="roundRect">
@@ -20447,7 +20414,7 @@
         </p:nvSpPr>
         <p:spPr>
           <a:xfrm>
-            <a:off x="2658684" y="1571233"/>
+            <a:off x="2963139" y="1358291"/>
             <a:ext cx="1200970" cy="434863"/>
           </a:xfrm>
           <a:prstGeom prst="rect">
@@ -20564,7 +20531,7 @@
         </p:nvSpPr>
         <p:spPr>
           <a:xfrm>
-            <a:off x="4180949" y="1578226"/>
+            <a:off x="4485404" y="1365284"/>
             <a:ext cx="2045753" cy="297902"/>
           </a:xfrm>
           <a:prstGeom prst="rect">
@@ -20663,7 +20630,7 @@
         </p:nvSpPr>
         <p:spPr>
           <a:xfrm>
-            <a:off x="4928114" y="4114141"/>
+            <a:off x="5232569" y="3901199"/>
             <a:ext cx="359073" cy="297902"/>
           </a:xfrm>
           <a:prstGeom prst="rect">
@@ -20761,7 +20728,7 @@
         </p:blipFill>
         <p:spPr>
           <a:xfrm>
-            <a:off x="6145864" y="2884186"/>
+            <a:off x="6450319" y="2671244"/>
             <a:ext cx="222115" cy="250149"/>
           </a:xfrm>
           <a:prstGeom prst="rect">
@@ -20791,7 +20758,7 @@
         </p:blipFill>
         <p:spPr>
           <a:xfrm>
-            <a:off x="6145864" y="3373411"/>
+            <a:off x="6450319" y="3160469"/>
             <a:ext cx="222115" cy="250149"/>
           </a:xfrm>
           <a:prstGeom prst="rect">
@@ -20821,7 +20788,7 @@
         </p:blipFill>
         <p:spPr>
           <a:xfrm>
-            <a:off x="6151639" y="3884849"/>
+            <a:off x="6456094" y="3671907"/>
             <a:ext cx="222115" cy="250149"/>
           </a:xfrm>
           <a:prstGeom prst="rect">
@@ -20851,7 +20818,7 @@
         </p:blipFill>
         <p:spPr>
           <a:xfrm>
-            <a:off x="6211161" y="4878417"/>
+            <a:off x="6515616" y="4665475"/>
             <a:ext cx="222115" cy="250149"/>
           </a:xfrm>
           <a:prstGeom prst="rect">
@@ -20881,7 +20848,7 @@
         </p:blipFill>
         <p:spPr>
           <a:xfrm>
-            <a:off x="6211161" y="5355950"/>
+            <a:off x="6515616" y="5143008"/>
             <a:ext cx="222115" cy="250149"/>
           </a:xfrm>
           <a:prstGeom prst="rect">
@@ -20903,7 +20870,7 @@
         </p:nvSpPr>
         <p:spPr>
           <a:xfrm>
-            <a:off x="6751999" y="3479012"/>
+            <a:off x="7056454" y="3266070"/>
             <a:ext cx="811119" cy="199414"/>
           </a:xfrm>
           <a:prstGeom prst="rect">
@@ -20975,7 +20942,7 @@
         </p:nvSpPr>
         <p:spPr>
           <a:xfrm>
-            <a:off x="6955934" y="4121751"/>
+            <a:off x="7260389" y="3908809"/>
             <a:ext cx="524182" cy="100925"/>
           </a:xfrm>
           <a:prstGeom prst="rect">
@@ -21029,7 +20996,7 @@
         </p:nvSpPr>
         <p:spPr>
           <a:xfrm>
-            <a:off x="7256777" y="4393828"/>
+            <a:off x="7561232" y="4180886"/>
             <a:ext cx="524182" cy="100925"/>
           </a:xfrm>
           <a:prstGeom prst="rect">
@@ -21083,7 +21050,7 @@
         </p:nvSpPr>
         <p:spPr>
           <a:xfrm>
-            <a:off x="5135888" y="5745979"/>
+            <a:off x="5440343" y="5533037"/>
             <a:ext cx="998227" cy="199414"/>
           </a:xfrm>
           <a:prstGeom prst="rect">
@@ -21155,7 +21122,7 @@
         </p:nvSpPr>
         <p:spPr>
           <a:xfrm>
-            <a:off x="3674811" y="6326096"/>
+            <a:off x="3979266" y="6113154"/>
             <a:ext cx="1426673" cy="100925"/>
           </a:xfrm>
           <a:prstGeom prst="rect">
@@ -21213,7 +21180,7 @@
         </p:nvCxnSpPr>
         <p:spPr>
           <a:xfrm rot="10800000" flipV="1">
-            <a:off x="5107833" y="5011508"/>
+            <a:off x="5412288" y="4798566"/>
             <a:ext cx="55564" cy="588756"/>
           </a:xfrm>
           <a:prstGeom prst="bentConnector2">
@@ -21256,7 +21223,7 @@
         </p:nvSpPr>
         <p:spPr>
           <a:xfrm>
-            <a:off x="6064651" y="5973173"/>
+            <a:off x="6369106" y="5760231"/>
             <a:ext cx="2112786" cy="100925"/>
           </a:xfrm>
           <a:prstGeom prst="rect">
@@ -21310,7 +21277,7 @@
         </p:nvSpPr>
         <p:spPr>
           <a:xfrm>
-            <a:off x="2542420" y="1567760"/>
+            <a:off x="2846875" y="1354818"/>
             <a:ext cx="91440" cy="91440"/>
           </a:xfrm>
           <a:prstGeom prst="ellipse">
@@ -21375,7 +21342,7 @@
         </p:nvSpPr>
         <p:spPr>
           <a:xfrm>
-            <a:off x="4035906" y="1570933"/>
+            <a:off x="4340361" y="1357991"/>
             <a:ext cx="91440" cy="91440"/>
           </a:xfrm>
           <a:prstGeom prst="ellipse">
@@ -21444,7 +21411,7 @@
         </p:nvCxnSpPr>
         <p:spPr>
           <a:xfrm rot="16200000" flipH="1">
-            <a:off x="1657239" y="4093024"/>
+            <a:off x="1961694" y="3880082"/>
             <a:ext cx="774127" cy="1"/>
           </a:xfrm>
           <a:prstGeom prst="bentConnector3">
@@ -21492,7 +21459,7 @@
         </p:nvSpPr>
         <p:spPr>
           <a:xfrm>
-            <a:off x="2477829" y="3088628"/>
+            <a:off x="2782284" y="2875686"/>
             <a:ext cx="91440" cy="91440"/>
           </a:xfrm>
           <a:prstGeom prst="ellipse">
@@ -21557,7 +21524,7 @@
         </p:nvSpPr>
         <p:spPr>
           <a:xfrm>
-            <a:off x="2007375" y="4094909"/>
+            <a:off x="2311830" y="3881967"/>
             <a:ext cx="91440" cy="91440"/>
           </a:xfrm>
           <a:prstGeom prst="ellipse">
@@ -21622,7 +21589,7 @@
         </p:nvSpPr>
         <p:spPr>
           <a:xfrm>
-            <a:off x="2477825" y="4101537"/>
+            <a:off x="2782280" y="3888595"/>
             <a:ext cx="91440" cy="91440"/>
           </a:xfrm>
           <a:prstGeom prst="ellipse">
@@ -21687,7 +21654,7 @@
         </p:nvSpPr>
         <p:spPr>
           <a:xfrm>
-            <a:off x="2717908" y="4350590"/>
+            <a:off x="3022363" y="4137648"/>
             <a:ext cx="75496" cy="114907"/>
           </a:xfrm>
           <a:prstGeom prst="rect">
@@ -21781,7 +21748,7 @@
         </p:blipFill>
         <p:spPr bwMode="auto">
           <a:xfrm>
-            <a:off x="4954064" y="1070327"/>
+            <a:off x="5258519" y="857385"/>
             <a:ext cx="247826" cy="380425"/>
           </a:xfrm>
           <a:prstGeom prst="rect">
@@ -21848,7 +21815,7 @@
         </p:blipFill>
         <p:spPr bwMode="auto">
           <a:xfrm>
-            <a:off x="1311846" y="1056518"/>
+            <a:off x="1616301" y="843576"/>
             <a:ext cx="247826" cy="380425"/>
           </a:xfrm>
           <a:prstGeom prst="rect">
@@ -21893,7 +21860,7 @@
         </p:nvSpPr>
         <p:spPr>
           <a:xfrm>
-            <a:off x="1588650" y="1126019"/>
+            <a:off x="1893105" y="913077"/>
             <a:ext cx="521491" cy="299121"/>
           </a:xfrm>
           <a:prstGeom prst="rect">
@@ -21959,7 +21926,7 @@
         </p:nvSpPr>
         <p:spPr>
           <a:xfrm>
-            <a:off x="7807538" y="1129956"/>
+            <a:off x="8111993" y="917014"/>
             <a:ext cx="423193" cy="299121"/>
           </a:xfrm>
           <a:prstGeom prst="rect">
@@ -22047,7 +22014,7 @@
         </p:blipFill>
         <p:spPr bwMode="auto">
           <a:xfrm>
-            <a:off x="7500190" y="1074859"/>
+            <a:off x="7804645" y="861917"/>
             <a:ext cx="247826" cy="380425"/>
           </a:xfrm>
           <a:prstGeom prst="rect">
@@ -22096,7 +22063,7 @@
         </p:nvCxnSpPr>
         <p:spPr>
           <a:xfrm rot="5400000">
-            <a:off x="4924294" y="-150615"/>
+            <a:off x="5228749" y="-363557"/>
             <a:ext cx="1093910" cy="4305709"/>
           </a:xfrm>
           <a:prstGeom prst="bentConnector3">
@@ -22144,7 +22111,7 @@
         </p:nvSpPr>
         <p:spPr>
           <a:xfrm>
-            <a:off x="6835704" y="1589973"/>
+            <a:off x="7140159" y="1377031"/>
             <a:ext cx="1946367" cy="199414"/>
           </a:xfrm>
           <a:prstGeom prst="rect">
@@ -22223,7 +22190,7 @@
         </p:nvSpPr>
         <p:spPr>
           <a:xfrm>
-            <a:off x="6690661" y="1582680"/>
+            <a:off x="6995116" y="1369738"/>
             <a:ext cx="91440" cy="91440"/>
           </a:xfrm>
           <a:prstGeom prst="ellipse">
@@ -22292,7 +22259,7 @@
         </p:nvCxnSpPr>
         <p:spPr>
           <a:xfrm rot="16200000" flipH="1">
-            <a:off x="5184150" y="1344578"/>
+            <a:off x="5488605" y="1131636"/>
             <a:ext cx="1117280" cy="1329627"/>
           </a:xfrm>
           <a:prstGeom prst="bentConnector3">
@@ -22340,7 +22307,7 @@
         </p:nvSpPr>
         <p:spPr>
           <a:xfrm>
-            <a:off x="3286178" y="4089246"/>
+            <a:off x="3590633" y="3876304"/>
             <a:ext cx="91440" cy="91440"/>
           </a:xfrm>
           <a:prstGeom prst="ellipse">
@@ -22409,7 +22376,7 @@
         </p:nvCxnSpPr>
         <p:spPr>
           <a:xfrm>
-            <a:off x="3574723" y="3004114"/>
+            <a:off x="3879178" y="2791172"/>
             <a:ext cx="1048835" cy="1596912"/>
           </a:xfrm>
           <a:prstGeom prst="bentConnector2">
@@ -22455,7 +22422,7 @@
         </p:nvSpPr>
         <p:spPr>
           <a:xfrm>
-            <a:off x="3982785" y="2957662"/>
+            <a:off x="4287240" y="2744720"/>
             <a:ext cx="91440" cy="91440"/>
           </a:xfrm>
           <a:prstGeom prst="ellipse">
@@ -22520,7 +22487,7 @@
         </p:nvSpPr>
         <p:spPr>
           <a:xfrm>
-            <a:off x="3963016" y="4355947"/>
+            <a:off x="4267471" y="4143005"/>
             <a:ext cx="91440" cy="91440"/>
           </a:xfrm>
           <a:prstGeom prst="ellipse">
@@ -22585,7 +22552,7 @@
         </p:nvSpPr>
         <p:spPr>
           <a:xfrm>
-            <a:off x="1036943" y="1578063"/>
+            <a:off x="1341398" y="1365121"/>
             <a:ext cx="91440" cy="91440"/>
           </a:xfrm>
           <a:prstGeom prst="ellipse">
@@ -22650,7 +22617,7 @@
         </p:nvSpPr>
         <p:spPr>
           <a:xfrm>
-            <a:off x="1196160" y="1583006"/>
+            <a:off x="1500615" y="1370064"/>
             <a:ext cx="383118" cy="100925"/>
           </a:xfrm>
           <a:prstGeom prst="rect">
@@ -22707,7 +22674,7 @@
         </p:nvSpPr>
         <p:spPr>
           <a:xfrm>
-            <a:off x="1998581" y="6062692"/>
+            <a:off x="2303036" y="5849750"/>
             <a:ext cx="91440" cy="91440"/>
           </a:xfrm>
           <a:prstGeom prst="ellipse">
@@ -22772,7 +22739,7 @@
         </p:nvSpPr>
         <p:spPr>
           <a:xfrm>
-            <a:off x="4376460" y="6067169"/>
+            <a:off x="4680915" y="5854227"/>
             <a:ext cx="91440" cy="91440"/>
           </a:xfrm>
           <a:prstGeom prst="ellipse">
@@ -22837,7 +22804,7 @@
         </p:nvSpPr>
         <p:spPr>
           <a:xfrm>
-            <a:off x="1045577" y="1797700"/>
+            <a:off x="1350032" y="1584758"/>
             <a:ext cx="83127" cy="91440"/>
           </a:xfrm>
           <a:prstGeom prst="ellipse">
@@ -22902,7 +22869,7 @@
         </p:nvSpPr>
         <p:spPr>
           <a:xfrm>
-            <a:off x="1200637" y="1802643"/>
+            <a:off x="1505092" y="1589701"/>
             <a:ext cx="713337" cy="100925"/>
           </a:xfrm>
           <a:prstGeom prst="rect">
@@ -22959,7 +22926,7 @@
         </p:nvSpPr>
         <p:spPr>
           <a:xfrm>
-            <a:off x="2467644" y="4853290"/>
+            <a:off x="2772099" y="4640348"/>
             <a:ext cx="83127" cy="91440"/>
           </a:xfrm>
           <a:prstGeom prst="ellipse">
@@ -23024,7 +22991,7 @@
         </p:nvSpPr>
         <p:spPr>
           <a:xfrm>
-            <a:off x="4085771" y="4353500"/>
+            <a:off x="4390226" y="4140558"/>
             <a:ext cx="83127" cy="91440"/>
           </a:xfrm>
           <a:prstGeom prst="ellipse">
@@ -23089,7 +23056,7 @@
         </p:nvSpPr>
         <p:spPr>
           <a:xfrm>
-            <a:off x="6638472" y="3470462"/>
+            <a:off x="6942927" y="3257520"/>
             <a:ext cx="83127" cy="91440"/>
           </a:xfrm>
           <a:prstGeom prst="ellipse">
@@ -23154,7 +23121,7 @@
         </p:nvSpPr>
         <p:spPr>
           <a:xfrm>
-            <a:off x="6831213" y="4106964"/>
+            <a:off x="7135668" y="3894022"/>
             <a:ext cx="83127" cy="91440"/>
           </a:xfrm>
           <a:prstGeom prst="ellipse">
@@ -23219,7 +23186,7 @@
         </p:nvSpPr>
         <p:spPr>
           <a:xfrm>
-            <a:off x="7118087" y="4387114"/>
+            <a:off x="7422542" y="4174172"/>
             <a:ext cx="83127" cy="91440"/>
           </a:xfrm>
           <a:prstGeom prst="ellipse">
@@ -23284,7 +23251,7 @@
         </p:nvSpPr>
         <p:spPr>
           <a:xfrm>
-            <a:off x="5306328" y="5030051"/>
+            <a:off x="5610783" y="4817109"/>
             <a:ext cx="83127" cy="91440"/>
           </a:xfrm>
           <a:prstGeom prst="ellipse">
@@ -23349,7 +23316,7 @@
         </p:nvSpPr>
         <p:spPr>
           <a:xfrm>
-            <a:off x="5015849" y="5747517"/>
+            <a:off x="5320304" y="5534575"/>
             <a:ext cx="83127" cy="91440"/>
           </a:xfrm>
           <a:prstGeom prst="ellipse">
@@ -23414,7 +23381,7 @@
         </p:nvSpPr>
         <p:spPr>
           <a:xfrm>
-            <a:off x="5961636" y="5967157"/>
+            <a:off x="6266091" y="5754215"/>
             <a:ext cx="83127" cy="91440"/>
           </a:xfrm>
           <a:prstGeom prst="ellipse">
@@ -23479,7 +23446,7 @@
         </p:nvSpPr>
         <p:spPr>
           <a:xfrm>
-            <a:off x="10593713" y="5972613"/>
+            <a:off x="6025084" y="6398481"/>
             <a:ext cx="368691" cy="100925"/>
           </a:xfrm>
           <a:prstGeom prst="rect">
@@ -23533,7 +23500,7 @@
         </p:nvSpPr>
         <p:spPr>
           <a:xfrm>
-            <a:off x="10482077" y="5976125"/>
+            <a:off x="5913448" y="6401993"/>
             <a:ext cx="83127" cy="91440"/>
           </a:xfrm>
           <a:prstGeom prst="ellipse">
@@ -23598,7 +23565,7 @@
         </p:nvSpPr>
         <p:spPr>
           <a:xfrm>
-            <a:off x="2782176" y="5375048"/>
+            <a:off x="3086631" y="5162106"/>
             <a:ext cx="459983" cy="225181"/>
           </a:xfrm>
           <a:prstGeom prst="rect">
@@ -23716,7 +23683,7 @@
         </p:nvSpPr>
         <p:spPr>
           <a:xfrm>
-            <a:off x="4050181" y="5386007"/>
+            <a:off x="4354636" y="5173065"/>
             <a:ext cx="459983" cy="225181"/>
           </a:xfrm>
           <a:prstGeom prst="rect">
@@ -23834,7 +23801,7 @@
         </p:nvSpPr>
         <p:spPr>
           <a:xfrm>
-            <a:off x="5415784" y="5031502"/>
+            <a:off x="5720239" y="4818560"/>
             <a:ext cx="416408" cy="100925"/>
           </a:xfrm>
           <a:prstGeom prst="rect">
